--- a/PROYECTO FORMATIVO.pptx
+++ b/PROYECTO FORMATIVO.pptx
@@ -275,7 +275,7 @@
           <a:p>
             <a:fld id="{88369B9F-131C-2846-AB8F-CEE154B4CAEB}" type="datetimeFigureOut">
               <a:rPr lang="es-CO" smtClean="0"/>
-              <a:t>6/06/2023</a:t>
+              <a:t>26/06/2023</a:t>
             </a:fld>
             <a:endParaRPr lang="es-CO"/>
           </a:p>
@@ -452,7 +452,7 @@
           <a:p>
             <a:fld id="{9660CB96-A603-FF42-AE46-F5F75F80A67B}" type="datetimeFigureOut">
               <a:rPr lang="es-CO" smtClean="0"/>
-              <a:t>6/06/2023</a:t>
+              <a:t>26/06/2023</a:t>
             </a:fld>
             <a:endParaRPr lang="es-CO"/>
           </a:p>
@@ -1289,7 +1289,7 @@
           <a:p>
             <a:fld id="{BD986248-06F7-A441-A47A-264EBD310E11}" type="datetimeFigureOut">
               <a:rPr lang="es-CO" smtClean="0"/>
-              <a:t>6/06/2023</a:t>
+              <a:t>26/06/2023</a:t>
             </a:fld>
             <a:endParaRPr lang="es-CO"/>
           </a:p>
@@ -1489,7 +1489,7 @@
           <a:p>
             <a:fld id="{BD986248-06F7-A441-A47A-264EBD310E11}" type="datetimeFigureOut">
               <a:rPr lang="es-CO" smtClean="0"/>
-              <a:t>6/06/2023</a:t>
+              <a:t>26/06/2023</a:t>
             </a:fld>
             <a:endParaRPr lang="es-CO"/>
           </a:p>
@@ -1699,7 +1699,7 @@
           <a:p>
             <a:fld id="{BD986248-06F7-A441-A47A-264EBD310E11}" type="datetimeFigureOut">
               <a:rPr lang="es-CO" smtClean="0"/>
-              <a:t>6/06/2023</a:t>
+              <a:t>26/06/2023</a:t>
             </a:fld>
             <a:endParaRPr lang="es-CO"/>
           </a:p>
@@ -1962,7 +1962,7 @@
           <a:p>
             <a:fld id="{BD986248-06F7-A441-A47A-264EBD310E11}" type="datetimeFigureOut">
               <a:rPr lang="es-CO" smtClean="0"/>
-              <a:t>6/06/2023</a:t>
+              <a:t>26/06/2023</a:t>
             </a:fld>
             <a:endParaRPr lang="es-CO"/>
           </a:p>
@@ -2228,7 +2228,7 @@
           <a:p>
             <a:fld id="{BD986248-06F7-A441-A47A-264EBD310E11}" type="datetimeFigureOut">
               <a:rPr lang="es-CO" smtClean="0"/>
-              <a:t>6/06/2023</a:t>
+              <a:t>26/06/2023</a:t>
             </a:fld>
             <a:endParaRPr lang="es-CO"/>
           </a:p>
@@ -2504,7 +2504,7 @@
           <a:p>
             <a:fld id="{BD986248-06F7-A441-A47A-264EBD310E11}" type="datetimeFigureOut">
               <a:rPr lang="es-CO" smtClean="0"/>
-              <a:t>6/06/2023</a:t>
+              <a:t>26/06/2023</a:t>
             </a:fld>
             <a:endParaRPr lang="es-CO"/>
           </a:p>
@@ -2772,7 +2772,7 @@
           <a:p>
             <a:fld id="{BD986248-06F7-A441-A47A-264EBD310E11}" type="datetimeFigureOut">
               <a:rPr lang="es-CO" smtClean="0"/>
-              <a:t>6/06/2023</a:t>
+              <a:t>26/06/2023</a:t>
             </a:fld>
             <a:endParaRPr lang="es-CO"/>
           </a:p>
@@ -3187,7 +3187,7 @@
           <a:p>
             <a:fld id="{BD986248-06F7-A441-A47A-264EBD310E11}" type="datetimeFigureOut">
               <a:rPr lang="es-CO" smtClean="0"/>
-              <a:t>6/06/2023</a:t>
+              <a:t>26/06/2023</a:t>
             </a:fld>
             <a:endParaRPr lang="es-CO"/>
           </a:p>
@@ -3329,7 +3329,7 @@
           <a:p>
             <a:fld id="{BD986248-06F7-A441-A47A-264EBD310E11}" type="datetimeFigureOut">
               <a:rPr lang="es-CO" smtClean="0"/>
-              <a:t>6/06/2023</a:t>
+              <a:t>26/06/2023</a:t>
             </a:fld>
             <a:endParaRPr lang="es-CO"/>
           </a:p>
@@ -3442,7 +3442,7 @@
           <a:p>
             <a:fld id="{BD986248-06F7-A441-A47A-264EBD310E11}" type="datetimeFigureOut">
               <a:rPr lang="es-CO" smtClean="0"/>
-              <a:t>6/06/2023</a:t>
+              <a:t>26/06/2023</a:t>
             </a:fld>
             <a:endParaRPr lang="es-CO"/>
           </a:p>
@@ -3755,7 +3755,7 @@
           <a:p>
             <a:fld id="{BD986248-06F7-A441-A47A-264EBD310E11}" type="datetimeFigureOut">
               <a:rPr lang="es-CO" smtClean="0"/>
-              <a:t>6/06/2023</a:t>
+              <a:t>26/06/2023</a:t>
             </a:fld>
             <a:endParaRPr lang="es-CO"/>
           </a:p>
@@ -4044,7 +4044,7 @@
           <a:p>
             <a:fld id="{BD986248-06F7-A441-A47A-264EBD310E11}" type="datetimeFigureOut">
               <a:rPr lang="es-CO" smtClean="0"/>
-              <a:t>6/06/2023</a:t>
+              <a:t>26/06/2023</a:t>
             </a:fld>
             <a:endParaRPr lang="es-CO"/>
           </a:p>
@@ -4287,7 +4287,7 @@
           <a:p>
             <a:fld id="{BD986248-06F7-A441-A47A-264EBD310E11}" type="datetimeFigureOut">
               <a:rPr lang="es-CO" smtClean="0"/>
-              <a:t>6/06/2023</a:t>
+              <a:t>26/06/2023</a:t>
             </a:fld>
             <a:endParaRPr lang="es-CO"/>
           </a:p>
@@ -5139,8 +5139,8 @@
         </p:nvSpPr>
         <p:spPr>
           <a:xfrm>
-            <a:off x="512064" y="1048752"/>
-            <a:ext cx="11216640" cy="5324535"/>
+            <a:off x="487679" y="1406561"/>
+            <a:ext cx="11216640" cy="3477875"/>
           </a:xfrm>
           <a:prstGeom prst="rect">
             <a:avLst/>
@@ -5239,7 +5239,7 @@
                 <a:cs typeface="Calibri" panose="020F0502020204030204" pitchFamily="34" charset="0"/>
                 <a:sym typeface="Helvetica Neue"/>
               </a:rPr>
-              <a:t>El sistema debe mostrar más información de la publicación que se realizó y del usuario para comunicarse.</a:t>
+              <a:t>El sistema debe mostrar más información de la publicación que se realizó.</a:t>
             </a:r>
           </a:p>
           <a:p>
@@ -5262,15 +5262,6 @@
               <a:buFont typeface="+mj-lt"/>
               <a:buAutoNum type="arabicPeriod" startAt="12"/>
             </a:pPr>
-            <a:endParaRPr lang="es-ES" sz="2000" dirty="0">
-              <a:latin typeface="Work Sans" pitchFamily="2" charset="0"/>
-              <a:ea typeface="Helvetica Neue"/>
-              <a:cs typeface="Calibri" panose="020F0502020204030204" pitchFamily="34" charset="0"/>
-              <a:sym typeface="Helvetica Neue"/>
-            </a:endParaRPr>
-          </a:p>
-          <a:p>
-            <a:pPr algn="just" defTabSz="1257621" hangingPunct="0"/>
             <a:r>
               <a:rPr lang="es-ES" sz="2000" dirty="0">
                 <a:latin typeface="Work Sans" pitchFamily="2" charset="0"/>
@@ -5278,67 +5269,7 @@
                 <a:cs typeface="Calibri" panose="020F0502020204030204" pitchFamily="34" charset="0"/>
                 <a:sym typeface="Helvetica Neue"/>
               </a:rPr>
-              <a:t>Opcional:</a:t>
-            </a:r>
-          </a:p>
-          <a:p>
-            <a:pPr marL="457200" indent="-457200" algn="just" defTabSz="1257621" hangingPunct="0">
-              <a:buFont typeface="+mj-lt"/>
-              <a:buAutoNum type="arabicPeriod" startAt="19"/>
-            </a:pPr>
-            <a:r>
-              <a:rPr lang="es-ES" sz="2000" dirty="0">
-                <a:latin typeface="Work Sans" pitchFamily="2" charset="0"/>
-                <a:ea typeface="Helvetica Neue"/>
-                <a:cs typeface="Calibri" panose="020F0502020204030204" pitchFamily="34" charset="0"/>
-                <a:sym typeface="Helvetica Neue"/>
-              </a:rPr>
-              <a:t>El sistema debe tener un chat para la comunicación de los usuarios.</a:t>
-            </a:r>
-          </a:p>
-          <a:p>
-            <a:pPr marL="457200" indent="-457200" algn="just" defTabSz="1257621" hangingPunct="0">
-              <a:buFont typeface="+mj-lt"/>
-              <a:buAutoNum type="arabicPeriod" startAt="19"/>
-            </a:pPr>
-            <a:r>
-              <a:rPr lang="es-ES" sz="2000" dirty="0">
-                <a:latin typeface="Work Sans" pitchFamily="2" charset="0"/>
-                <a:ea typeface="Helvetica Neue"/>
-                <a:cs typeface="Calibri" panose="020F0502020204030204" pitchFamily="34" charset="0"/>
-                <a:sym typeface="Helvetica Neue"/>
-              </a:rPr>
-              <a:t>El sistema debe permitir a los usuarios escribir reseñas de los servicios.</a:t>
-            </a:r>
-          </a:p>
-          <a:p>
-            <a:pPr marL="457200" indent="-457200" algn="just" defTabSz="1257621" hangingPunct="0">
-              <a:buFont typeface="+mj-lt"/>
-              <a:buAutoNum type="arabicPeriod" startAt="19"/>
-            </a:pPr>
-            <a:r>
-              <a:rPr lang="es-ES" sz="2000" dirty="0">
-                <a:latin typeface="Work Sans" pitchFamily="2" charset="0"/>
-                <a:ea typeface="Helvetica Neue"/>
-                <a:cs typeface="Calibri" panose="020F0502020204030204" pitchFamily="34" charset="0"/>
-                <a:sym typeface="Helvetica Neue"/>
-              </a:rPr>
-              <a:t>El sistema debe permitir la calificación de los servicios.</a:t>
-            </a:r>
-          </a:p>
-          <a:p>
-            <a:pPr marL="457200" indent="-457200" algn="just" defTabSz="1257621" hangingPunct="0">
-              <a:buFont typeface="+mj-lt"/>
-              <a:buAutoNum type="arabicPeriod" startAt="19"/>
-            </a:pPr>
-            <a:r>
-              <a:rPr lang="es-ES" sz="2000" dirty="0">
-                <a:latin typeface="Work Sans" pitchFamily="2" charset="0"/>
-                <a:ea typeface="Helvetica Neue"/>
-                <a:cs typeface="Calibri" panose="020F0502020204030204" pitchFamily="34" charset="0"/>
-                <a:sym typeface="Helvetica Neue"/>
-              </a:rPr>
-              <a:t>El sistema debe tener diferentes apartados para los términos y condiciones, redes sociales, sobre Service Market, nuestros servicios y preguntas frecuentes.</a:t>
+              <a:t>El sistema debe tener diferentes apartados para los términos y condiciones, redes sociales, sobre Service Market y nuestros servicios.</a:t>
             </a:r>
           </a:p>
         </p:txBody>
@@ -5633,6 +5564,36 @@
           </a:p>
         </p:txBody>
       </p:sp>
+      <p:pic>
+        <p:nvPicPr>
+          <p:cNvPr id="4" name="Imagen 3" descr="Diagrama&#10;&#10;Descripción generada automáticamente">
+            <a:extLst>
+              <a:ext uri="{FF2B5EF4-FFF2-40B4-BE49-F238E27FC236}">
+                <a16:creationId xmlns:a16="http://schemas.microsoft.com/office/drawing/2014/main" id="{E8174B30-2101-14B8-6053-16CBD93DFDEF}"/>
+              </a:ext>
+            </a:extLst>
+          </p:cNvPr>
+          <p:cNvPicPr>
+            <a:picLocks noChangeAspect="1"/>
+          </p:cNvPicPr>
+          <p:nvPr/>
+        </p:nvPicPr>
+        <p:blipFill>
+          <a:blip r:embed="rId3"/>
+          <a:stretch>
+            <a:fillRect/>
+          </a:stretch>
+        </p:blipFill>
+        <p:spPr>
+          <a:xfrm>
+            <a:off x="1258721" y="0"/>
+            <a:ext cx="4431998" cy="6858000"/>
+          </a:xfrm>
+          <a:prstGeom prst="rect">
+            <a:avLst/>
+          </a:prstGeom>
+        </p:spPr>
+      </p:pic>
     </p:spTree>
     <p:extLst>
       <p:ext uri="{BB962C8B-B14F-4D97-AF65-F5344CB8AC3E}">
@@ -5751,7 +5712,7 @@
         </p:nvSpPr>
         <p:spPr>
           <a:xfrm>
-            <a:off x="0" y="5363860"/>
+            <a:off x="3825654" y="100269"/>
             <a:ext cx="4129192" cy="1077218"/>
           </a:xfrm>
           <a:prstGeom prst="rect">
@@ -5781,6 +5742,36 @@
           </a:p>
         </p:txBody>
       </p:sp>
+      <p:pic>
+        <p:nvPicPr>
+          <p:cNvPr id="3" name="Imagen 2" descr="Diagrama&#10;&#10;Descripción generada automáticamente">
+            <a:extLst>
+              <a:ext uri="{FF2B5EF4-FFF2-40B4-BE49-F238E27FC236}">
+                <a16:creationId xmlns:a16="http://schemas.microsoft.com/office/drawing/2014/main" id="{FCBACB03-3ED9-8798-77F4-613651495AF8}"/>
+              </a:ext>
+            </a:extLst>
+          </p:cNvPr>
+          <p:cNvPicPr>
+            <a:picLocks noChangeAspect="1"/>
+          </p:cNvPicPr>
+          <p:nvPr/>
+        </p:nvPicPr>
+        <p:blipFill>
+          <a:blip r:embed="rId2"/>
+          <a:stretch>
+            <a:fillRect/>
+          </a:stretch>
+        </p:blipFill>
+        <p:spPr>
+          <a:xfrm>
+            <a:off x="1245024" y="1564278"/>
+            <a:ext cx="9290451" cy="5193453"/>
+          </a:xfrm>
+          <a:prstGeom prst="rect">
+            <a:avLst/>
+          </a:prstGeom>
+        </p:spPr>
+      </p:pic>
     </p:spTree>
     <p:extLst>
       <p:ext uri="{BB962C8B-B14F-4D97-AF65-F5344CB8AC3E}">
@@ -5825,7 +5816,7 @@
         </p:nvSpPr>
         <p:spPr>
           <a:xfrm>
-            <a:off x="0" y="133492"/>
+            <a:off x="4031404" y="165033"/>
             <a:ext cx="4129192" cy="584775"/>
           </a:xfrm>
           <a:prstGeom prst="rect">
@@ -5855,6 +5846,36 @@
           </a:p>
         </p:txBody>
       </p:sp>
+      <p:pic>
+        <p:nvPicPr>
+          <p:cNvPr id="5" name="Imagen 4" descr="Diagrama&#10;&#10;Descripción generada automáticamente">
+            <a:extLst>
+              <a:ext uri="{FF2B5EF4-FFF2-40B4-BE49-F238E27FC236}">
+                <a16:creationId xmlns:a16="http://schemas.microsoft.com/office/drawing/2014/main" id="{9CFDC6A5-2FBA-3A88-0D59-6F36AFE70115}"/>
+              </a:ext>
+            </a:extLst>
+          </p:cNvPr>
+          <p:cNvPicPr>
+            <a:picLocks noChangeAspect="1"/>
+          </p:cNvPicPr>
+          <p:nvPr/>
+        </p:nvPicPr>
+        <p:blipFill>
+          <a:blip r:embed="rId2"/>
+          <a:stretch>
+            <a:fillRect/>
+          </a:stretch>
+        </p:blipFill>
+        <p:spPr>
+          <a:xfrm>
+            <a:off x="2713642" y="981456"/>
+            <a:ext cx="6764716" cy="5358384"/>
+          </a:xfrm>
+          <a:prstGeom prst="rect">
+            <a:avLst/>
+          </a:prstGeom>
+        </p:spPr>
+      </p:pic>
     </p:spTree>
     <p:extLst>
       <p:ext uri="{BB962C8B-B14F-4D97-AF65-F5344CB8AC3E}">
@@ -6879,6 +6900,36 @@
           </a:p>
         </p:txBody>
       </p:sp>
+      <p:pic>
+        <p:nvPicPr>
+          <p:cNvPr id="3" name="Imagen 2" descr="Diagrama&#10;&#10;Descripción generada automáticamente">
+            <a:extLst>
+              <a:ext uri="{FF2B5EF4-FFF2-40B4-BE49-F238E27FC236}">
+                <a16:creationId xmlns:a16="http://schemas.microsoft.com/office/drawing/2014/main" id="{00DACB37-A4EA-85F9-7F19-90A4EFA2F273}"/>
+              </a:ext>
+            </a:extLst>
+          </p:cNvPr>
+          <p:cNvPicPr>
+            <a:picLocks noChangeAspect="1"/>
+          </p:cNvPicPr>
+          <p:nvPr/>
+        </p:nvPicPr>
+        <p:blipFill>
+          <a:blip r:embed="rId2"/>
+          <a:stretch>
+            <a:fillRect/>
+          </a:stretch>
+        </p:blipFill>
+        <p:spPr>
+          <a:xfrm>
+            <a:off x="733294" y="1011935"/>
+            <a:ext cx="10725413" cy="5608437"/>
+          </a:xfrm>
+          <a:prstGeom prst="rect">
+            <a:avLst/>
+          </a:prstGeom>
+        </p:spPr>
+      </p:pic>
     </p:spTree>
     <p:extLst>
       <p:ext uri="{BB962C8B-B14F-4D97-AF65-F5344CB8AC3E}">
@@ -7117,6 +7168,36 @@
           </a:p>
         </p:txBody>
       </p:sp>
+      <p:pic>
+        <p:nvPicPr>
+          <p:cNvPr id="3" name="Imagen 2">
+            <a:extLst>
+              <a:ext uri="{FF2B5EF4-FFF2-40B4-BE49-F238E27FC236}">
+                <a16:creationId xmlns:a16="http://schemas.microsoft.com/office/drawing/2014/main" id="{774A1557-2DE8-4F63-E511-98FADFC24014}"/>
+              </a:ext>
+            </a:extLst>
+          </p:cNvPr>
+          <p:cNvPicPr>
+            <a:picLocks noChangeAspect="1"/>
+          </p:cNvPicPr>
+          <p:nvPr/>
+        </p:nvPicPr>
+        <p:blipFill>
+          <a:blip r:embed="rId2"/>
+          <a:stretch>
+            <a:fillRect/>
+          </a:stretch>
+        </p:blipFill>
+        <p:spPr>
+          <a:xfrm>
+            <a:off x="0" y="0"/>
+            <a:ext cx="5877056" cy="6858000"/>
+          </a:xfrm>
+          <a:prstGeom prst="rect">
+            <a:avLst/>
+          </a:prstGeom>
+        </p:spPr>
+      </p:pic>
     </p:spTree>
     <p:extLst>
       <p:ext uri="{BB962C8B-B14F-4D97-AF65-F5344CB8AC3E}">
